--- a/colors.pptx
+++ b/colors.pptx
@@ -254,7 +254,7 @@
           <a:p>
             <a:fld id="{21D4DE5C-930A-014E-AF64-644BEFEBECE8}" type="datetimeFigureOut">
               <a:rPr lang="en-US" smtClean="0"/>
-              <a:t>12/15/17</a:t>
+              <a:t>12/16/17</a:t>
             </a:fld>
             <a:endParaRPr lang="en-US"/>
           </a:p>
@@ -424,7 +424,7 @@
           <a:p>
             <a:fld id="{21D4DE5C-930A-014E-AF64-644BEFEBECE8}" type="datetimeFigureOut">
               <a:rPr lang="en-US" smtClean="0"/>
-              <a:t>12/15/17</a:t>
+              <a:t>12/16/17</a:t>
             </a:fld>
             <a:endParaRPr lang="en-US"/>
           </a:p>
@@ -604,7 +604,7 @@
           <a:p>
             <a:fld id="{21D4DE5C-930A-014E-AF64-644BEFEBECE8}" type="datetimeFigureOut">
               <a:rPr lang="en-US" smtClean="0"/>
-              <a:t>12/15/17</a:t>
+              <a:t>12/16/17</a:t>
             </a:fld>
             <a:endParaRPr lang="en-US"/>
           </a:p>
@@ -774,7 +774,7 @@
           <a:p>
             <a:fld id="{21D4DE5C-930A-014E-AF64-644BEFEBECE8}" type="datetimeFigureOut">
               <a:rPr lang="en-US" smtClean="0"/>
-              <a:t>12/15/17</a:t>
+              <a:t>12/16/17</a:t>
             </a:fld>
             <a:endParaRPr lang="en-US"/>
           </a:p>
@@ -1020,7 +1020,7 @@
           <a:p>
             <a:fld id="{21D4DE5C-930A-014E-AF64-644BEFEBECE8}" type="datetimeFigureOut">
               <a:rPr lang="en-US" smtClean="0"/>
-              <a:t>12/15/17</a:t>
+              <a:t>12/16/17</a:t>
             </a:fld>
             <a:endParaRPr lang="en-US"/>
           </a:p>
@@ -1252,7 +1252,7 @@
           <a:p>
             <a:fld id="{21D4DE5C-930A-014E-AF64-644BEFEBECE8}" type="datetimeFigureOut">
               <a:rPr lang="en-US" smtClean="0"/>
-              <a:t>12/15/17</a:t>
+              <a:t>12/16/17</a:t>
             </a:fld>
             <a:endParaRPr lang="en-US"/>
           </a:p>
@@ -1619,7 +1619,7 @@
           <a:p>
             <a:fld id="{21D4DE5C-930A-014E-AF64-644BEFEBECE8}" type="datetimeFigureOut">
               <a:rPr lang="en-US" smtClean="0"/>
-              <a:t>12/15/17</a:t>
+              <a:t>12/16/17</a:t>
             </a:fld>
             <a:endParaRPr lang="en-US"/>
           </a:p>
@@ -1737,7 +1737,7 @@
           <a:p>
             <a:fld id="{21D4DE5C-930A-014E-AF64-644BEFEBECE8}" type="datetimeFigureOut">
               <a:rPr lang="en-US" smtClean="0"/>
-              <a:t>12/15/17</a:t>
+              <a:t>12/16/17</a:t>
             </a:fld>
             <a:endParaRPr lang="en-US"/>
           </a:p>
@@ -1832,7 +1832,7 @@
           <a:p>
             <a:fld id="{21D4DE5C-930A-014E-AF64-644BEFEBECE8}" type="datetimeFigureOut">
               <a:rPr lang="en-US" smtClean="0"/>
-              <a:t>12/15/17</a:t>
+              <a:t>12/16/17</a:t>
             </a:fld>
             <a:endParaRPr lang="en-US"/>
           </a:p>
@@ -2109,7 +2109,7 @@
           <a:p>
             <a:fld id="{21D4DE5C-930A-014E-AF64-644BEFEBECE8}" type="datetimeFigureOut">
               <a:rPr lang="en-US" smtClean="0"/>
-              <a:t>12/15/17</a:t>
+              <a:t>12/16/17</a:t>
             </a:fld>
             <a:endParaRPr lang="en-US"/>
           </a:p>
@@ -2362,7 +2362,7 @@
           <a:p>
             <a:fld id="{21D4DE5C-930A-014E-AF64-644BEFEBECE8}" type="datetimeFigureOut">
               <a:rPr lang="en-US" smtClean="0"/>
-              <a:t>12/15/17</a:t>
+              <a:t>12/16/17</a:t>
             </a:fld>
             <a:endParaRPr lang="en-US"/>
           </a:p>
@@ -2575,7 +2575,7 @@
           <a:p>
             <a:fld id="{21D4DE5C-930A-014E-AF64-644BEFEBECE8}" type="datetimeFigureOut">
               <a:rPr lang="en-US" smtClean="0"/>
-              <a:t>12/15/17</a:t>
+              <a:t>12/16/17</a:t>
             </a:fld>
             <a:endParaRPr lang="en-US"/>
           </a:p>
@@ -2982,44 +2982,6 @@
       </p:grpSpPr>
       <p:sp>
         <p:nvSpPr>
-          <p:cNvPr id="2" name="Title 1"/>
-          <p:cNvSpPr>
-            <a:spLocks noGrp="1"/>
-          </p:cNvSpPr>
-          <p:nvPr>
-            <p:ph type="ctrTitle"/>
-          </p:nvPr>
-        </p:nvSpPr>
-        <p:spPr/>
-        <p:txBody>
-          <a:bodyPr/>
-          <a:lstStyle/>
-          <a:p>
-            <a:endParaRPr lang="en-US" dirty="0"/>
-          </a:p>
-        </p:txBody>
-      </p:sp>
-      <p:sp>
-        <p:nvSpPr>
-          <p:cNvPr id="3" name="Subtitle 2"/>
-          <p:cNvSpPr>
-            <a:spLocks noGrp="1"/>
-          </p:cNvSpPr>
-          <p:nvPr>
-            <p:ph type="subTitle" idx="1"/>
-          </p:nvPr>
-        </p:nvSpPr>
-        <p:spPr/>
-        <p:txBody>
-          <a:bodyPr/>
-          <a:lstStyle/>
-          <a:p>
-            <a:endParaRPr lang="en-US"/>
-          </a:p>
-        </p:txBody>
-      </p:sp>
-      <p:sp>
-        <p:nvSpPr>
           <p:cNvPr id="4" name="Rectangle 3"/>
           <p:cNvSpPr/>
           <p:nvPr/>
@@ -3172,6 +3134,190 @@
           </a:prstGeom>
           <a:solidFill>
             <a:srgbClr val="EFFD97"/>
+          </a:solidFill>
+          <a:ln>
+            <a:noFill/>
+          </a:ln>
+        </p:spPr>
+        <p:style>
+          <a:lnRef idx="2">
+            <a:schemeClr val="accent1">
+              <a:shade val="50000"/>
+            </a:schemeClr>
+          </a:lnRef>
+          <a:fillRef idx="1">
+            <a:schemeClr val="accent1"/>
+          </a:fillRef>
+          <a:effectRef idx="0">
+            <a:schemeClr val="accent1"/>
+          </a:effectRef>
+          <a:fontRef idx="minor">
+            <a:schemeClr val="lt1"/>
+          </a:fontRef>
+        </p:style>
+        <p:txBody>
+          <a:bodyPr rtlCol="0" anchor="ctr"/>
+          <a:lstStyle/>
+          <a:p>
+            <a:pPr algn="ctr"/>
+            <a:endParaRPr lang="en-US"/>
+          </a:p>
+        </p:txBody>
+      </p:sp>
+      <p:sp>
+        <p:nvSpPr>
+          <p:cNvPr id="8" name="Rectangle 7"/>
+          <p:cNvSpPr/>
+          <p:nvPr/>
+        </p:nvSpPr>
+        <p:spPr>
+          <a:xfrm>
+            <a:off x="1341835" y="1144588"/>
+            <a:ext cx="3871912" cy="1728787"/>
+          </a:xfrm>
+          <a:prstGeom prst="rect">
+            <a:avLst/>
+          </a:prstGeom>
+          <a:solidFill>
+            <a:schemeClr val="accent4"/>
+          </a:solidFill>
+          <a:ln>
+            <a:noFill/>
+          </a:ln>
+        </p:spPr>
+        <p:style>
+          <a:lnRef idx="2">
+            <a:schemeClr val="accent1">
+              <a:shade val="50000"/>
+            </a:schemeClr>
+          </a:lnRef>
+          <a:fillRef idx="1">
+            <a:schemeClr val="accent1"/>
+          </a:fillRef>
+          <a:effectRef idx="0">
+            <a:schemeClr val="accent1"/>
+          </a:effectRef>
+          <a:fontRef idx="minor">
+            <a:schemeClr val="lt1"/>
+          </a:fontRef>
+        </p:style>
+        <p:txBody>
+          <a:bodyPr rtlCol="0" anchor="ctr"/>
+          <a:lstStyle/>
+          <a:p>
+            <a:pPr algn="ctr"/>
+            <a:endParaRPr lang="en-US"/>
+          </a:p>
+        </p:txBody>
+      </p:sp>
+      <p:sp>
+        <p:nvSpPr>
+          <p:cNvPr id="9" name="Rectangle 8"/>
+          <p:cNvSpPr/>
+          <p:nvPr/>
+        </p:nvSpPr>
+        <p:spPr>
+          <a:xfrm>
+            <a:off x="6268641" y="1144588"/>
+            <a:ext cx="3871912" cy="1728787"/>
+          </a:xfrm>
+          <a:prstGeom prst="rect">
+            <a:avLst/>
+          </a:prstGeom>
+          <a:solidFill>
+            <a:schemeClr val="accent1"/>
+          </a:solidFill>
+          <a:ln>
+            <a:noFill/>
+          </a:ln>
+        </p:spPr>
+        <p:style>
+          <a:lnRef idx="2">
+            <a:schemeClr val="accent1">
+              <a:shade val="50000"/>
+            </a:schemeClr>
+          </a:lnRef>
+          <a:fillRef idx="1">
+            <a:schemeClr val="accent1"/>
+          </a:fillRef>
+          <a:effectRef idx="0">
+            <a:schemeClr val="accent1"/>
+          </a:effectRef>
+          <a:fontRef idx="minor">
+            <a:schemeClr val="lt1"/>
+          </a:fontRef>
+        </p:style>
+        <p:txBody>
+          <a:bodyPr rtlCol="0" anchor="ctr"/>
+          <a:lstStyle/>
+          <a:p>
+            <a:pPr algn="ctr"/>
+            <a:endParaRPr lang="en-US"/>
+          </a:p>
+        </p:txBody>
+      </p:sp>
+      <p:sp>
+        <p:nvSpPr>
+          <p:cNvPr id="10" name="Rectangle 9"/>
+          <p:cNvSpPr/>
+          <p:nvPr/>
+        </p:nvSpPr>
+        <p:spPr>
+          <a:xfrm>
+            <a:off x="1341835" y="3855244"/>
+            <a:ext cx="3871912" cy="1728787"/>
+          </a:xfrm>
+          <a:prstGeom prst="rect">
+            <a:avLst/>
+          </a:prstGeom>
+          <a:solidFill>
+            <a:srgbClr val="C00000"/>
+          </a:solidFill>
+          <a:ln>
+            <a:noFill/>
+          </a:ln>
+        </p:spPr>
+        <p:style>
+          <a:lnRef idx="2">
+            <a:schemeClr val="accent1">
+              <a:shade val="50000"/>
+            </a:schemeClr>
+          </a:lnRef>
+          <a:fillRef idx="1">
+            <a:schemeClr val="accent1"/>
+          </a:fillRef>
+          <a:effectRef idx="0">
+            <a:schemeClr val="accent1"/>
+          </a:effectRef>
+          <a:fontRef idx="minor">
+            <a:schemeClr val="lt1"/>
+          </a:fontRef>
+        </p:style>
+        <p:txBody>
+          <a:bodyPr rtlCol="0" anchor="ctr"/>
+          <a:lstStyle/>
+          <a:p>
+            <a:pPr algn="ctr"/>
+            <a:endParaRPr lang="en-US"/>
+          </a:p>
+        </p:txBody>
+      </p:sp>
+      <p:sp>
+        <p:nvSpPr>
+          <p:cNvPr id="11" name="Rectangle 10"/>
+          <p:cNvSpPr/>
+          <p:nvPr/>
+        </p:nvSpPr>
+        <p:spPr>
+          <a:xfrm>
+            <a:off x="6268641" y="3855243"/>
+            <a:ext cx="3871912" cy="1728787"/>
+          </a:xfrm>
+          <a:prstGeom prst="rect">
+            <a:avLst/>
+          </a:prstGeom>
+          <a:solidFill>
+            <a:srgbClr val="0AA656"/>
           </a:solidFill>
           <a:ln>
             <a:noFill/>
